--- a/교육/4주차_MVC_SPA_PWA.pptx
+++ b/교육/4주차_MVC_SPA_PWA.pptx
@@ -257,7 +257,7 @@
                 </a:solidFill>
               </a:rPr>
               <a:pPr/>
-              <a:t>2020-10-28</a:t>
+              <a:t>2020-10-30</a:t>
             </a:fld>
             <a:endParaRPr lang="ko-KR" altLang="en-US">
               <a:solidFill>
@@ -457,7 +457,7 @@
                 </a:solidFill>
               </a:rPr>
               <a:pPr/>
-              <a:t>2020-10-28</a:t>
+              <a:t>2020-10-30</a:t>
             </a:fld>
             <a:endParaRPr lang="ko-KR" altLang="en-US">
               <a:solidFill>
@@ -667,7 +667,7 @@
                 </a:solidFill>
               </a:rPr>
               <a:pPr/>
-              <a:t>2020-10-28</a:t>
+              <a:t>2020-10-30</a:t>
             </a:fld>
             <a:endParaRPr lang="ko-KR" altLang="en-US">
               <a:solidFill>
@@ -867,7 +867,7 @@
                 </a:solidFill>
               </a:rPr>
               <a:pPr/>
-              <a:t>2020-10-28</a:t>
+              <a:t>2020-10-30</a:t>
             </a:fld>
             <a:endParaRPr lang="ko-KR" altLang="en-US">
               <a:solidFill>
@@ -1144,7 +1144,7 @@
                 </a:solidFill>
               </a:rPr>
               <a:pPr/>
-              <a:t>2020-10-28</a:t>
+              <a:t>2020-10-30</a:t>
             </a:fld>
             <a:endParaRPr lang="ko-KR" altLang="en-US">
               <a:solidFill>
@@ -1405,7 +1405,7 @@
                 </a:solidFill>
               </a:rPr>
               <a:pPr/>
-              <a:t>2020-10-28</a:t>
+              <a:t>2020-10-30</a:t>
             </a:fld>
             <a:endParaRPr lang="ko-KR" altLang="en-US">
               <a:solidFill>
@@ -1801,7 +1801,7 @@
                 </a:solidFill>
               </a:rPr>
               <a:pPr/>
-              <a:t>2020-10-28</a:t>
+              <a:t>2020-10-30</a:t>
             </a:fld>
             <a:endParaRPr lang="ko-KR" altLang="en-US">
               <a:solidFill>
@@ -1950,7 +1950,7 @@
                 </a:solidFill>
               </a:rPr>
               <a:pPr/>
-              <a:t>2020-10-28</a:t>
+              <a:t>2020-10-30</a:t>
             </a:fld>
             <a:endParaRPr lang="ko-KR" altLang="en-US">
               <a:solidFill>
@@ -2077,7 +2077,7 @@
                 </a:solidFill>
               </a:rPr>
               <a:pPr/>
-              <a:t>2020-10-28</a:t>
+              <a:t>2020-10-30</a:t>
             </a:fld>
             <a:endParaRPr lang="ko-KR" altLang="en-US">
               <a:solidFill>
@@ -2384,7 +2384,7 @@
                 </a:solidFill>
               </a:rPr>
               <a:pPr/>
-              <a:t>2020-10-28</a:t>
+              <a:t>2020-10-30</a:t>
             </a:fld>
             <a:endParaRPr lang="ko-KR" altLang="en-US">
               <a:solidFill>
@@ -2668,7 +2668,7 @@
                 </a:solidFill>
               </a:rPr>
               <a:pPr/>
-              <a:t>2020-10-28</a:t>
+              <a:t>2020-10-30</a:t>
             </a:fld>
             <a:endParaRPr lang="ko-KR" altLang="en-US">
               <a:solidFill>
@@ -2911,7 +2911,7 @@
                 </a:solidFill>
               </a:rPr>
               <a:pPr/>
-              <a:t>2020-10-28</a:t>
+              <a:t>2020-10-30</a:t>
             </a:fld>
             <a:endParaRPr lang="ko-KR" altLang="en-US">
               <a:solidFill>
@@ -7586,7 +7586,7 @@
                   <a:prstClr val="white"/>
                 </a:solidFill>
               </a:rPr>
-              <a:t>주차 신입 교육과정 </a:t>
+              <a:t>주차 교육 과정 </a:t>
             </a:r>
             <a:r>
               <a:rPr lang="en-US" altLang="ko-KR" sz="1000" kern="0" dirty="0">
